--- a/summer_school_sessions/3_Experimental_setup/Summer School - Experimental Basics.pptx
+++ b/summer_school_sessions/3_Experimental_setup/Summer School - Experimental Basics.pptx
@@ -30405,18 +30405,7 @@
                 </a:solidFill>
                 <a:latin typeface="Bodoni MT" panose="02070603080606020203" pitchFamily="18" charset="0"/>
               </a:rPr>
-              <a:t>Pilot data produced many significant </a:t>
-            </a:r>
-            <a:r>
-              <a:rPr lang="en-US" sz="2000" dirty="0" smtClean="0">
-                <a:solidFill>
-                  <a:schemeClr val="accent5">
-                    <a:lumMod val="75000"/>
-                  </a:schemeClr>
-                </a:solidFill>
-                <a:latin typeface="Bodoni MT" panose="02070603080606020203" pitchFamily="18" charset="0"/>
-              </a:rPr>
-              <a:t>results (108 of 186 comparisons significant). </a:t>
+              <a:t>Pilot data produced many significant results (108 of 186 comparisons significant). </a:t>
             </a:r>
           </a:p>
           <a:p>
@@ -31407,6 +31396,153 @@
                                           <p:spTgt spid="8">
                                             <p:txEl>
                                               <p:pRg st="0" end="0"/>
+                                            </p:txEl>
+                                          </p:spTgt>
+                                        </p:tgtEl>
+                                        <p:attrNameLst>
+                                          <p:attrName>style.visibility</p:attrName>
+                                        </p:attrNameLst>
+                                      </p:cBhvr>
+                                      <p:to>
+                                        <p:strVal val="visible"/>
+                                      </p:to>
+                                    </p:set>
+                                  </p:childTnLst>
+                                </p:cTn>
+                              </p:par>
+                            </p:childTnLst>
+                          </p:cTn>
+                        </p:par>
+                      </p:childTnLst>
+                    </p:cTn>
+                  </p:par>
+                  <p:par>
+                    <p:cTn id="7" fill="hold">
+                      <p:stCondLst>
+                        <p:cond delay="indefinite"/>
+                      </p:stCondLst>
+                      <p:childTnLst>
+                        <p:par>
+                          <p:cTn id="8" fill="hold">
+                            <p:stCondLst>
+                              <p:cond delay="0"/>
+                            </p:stCondLst>
+                            <p:childTnLst>
+                              <p:par>
+                                <p:cTn id="9" presetID="1" presetClass="entr" presetSubtype="0" fill="hold" nodeType="clickEffect">
+                                  <p:stCondLst>
+                                    <p:cond delay="0"/>
+                                  </p:stCondLst>
+                                  <p:childTnLst>
+                                    <p:set>
+                                      <p:cBhvr>
+                                        <p:cTn id="10" dur="1" fill="hold">
+                                          <p:stCondLst>
+                                            <p:cond delay="0"/>
+                                          </p:stCondLst>
+                                        </p:cTn>
+                                        <p:tgtEl>
+                                          <p:spTgt spid="8">
+                                            <p:txEl>
+                                              <p:pRg st="1" end="1"/>
+                                            </p:txEl>
+                                          </p:spTgt>
+                                        </p:tgtEl>
+                                        <p:attrNameLst>
+                                          <p:attrName>style.visibility</p:attrName>
+                                        </p:attrNameLst>
+                                      </p:cBhvr>
+                                      <p:to>
+                                        <p:strVal val="visible"/>
+                                      </p:to>
+                                    </p:set>
+                                  </p:childTnLst>
+                                </p:cTn>
+                              </p:par>
+                            </p:childTnLst>
+                          </p:cTn>
+                        </p:par>
+                      </p:childTnLst>
+                    </p:cTn>
+                  </p:par>
+                  <p:par>
+                    <p:cTn id="11" fill="hold">
+                      <p:stCondLst>
+                        <p:cond delay="indefinite"/>
+                      </p:stCondLst>
+                      <p:childTnLst>
+                        <p:par>
+                          <p:cTn id="12" fill="hold">
+                            <p:stCondLst>
+                              <p:cond delay="0"/>
+                            </p:stCondLst>
+                            <p:childTnLst>
+                              <p:par>
+                                <p:cTn id="13" presetID="1" presetClass="entr" presetSubtype="0" fill="hold" nodeType="clickEffect">
+                                  <p:stCondLst>
+                                    <p:cond delay="0"/>
+                                  </p:stCondLst>
+                                  <p:childTnLst>
+                                    <p:set>
+                                      <p:cBhvr>
+                                        <p:cTn id="14" dur="1" fill="hold">
+                                          <p:stCondLst>
+                                            <p:cond delay="0"/>
+                                          </p:stCondLst>
+                                        </p:cTn>
+                                        <p:tgtEl>
+                                          <p:spTgt spid="8">
+                                            <p:txEl>
+                                              <p:pRg st="3" end="3"/>
+                                            </p:txEl>
+                                          </p:spTgt>
+                                        </p:tgtEl>
+                                        <p:attrNameLst>
+                                          <p:attrName>style.visibility</p:attrName>
+                                        </p:attrNameLst>
+                                      </p:cBhvr>
+                                      <p:to>
+                                        <p:strVal val="visible"/>
+                                      </p:to>
+                                    </p:set>
+                                  </p:childTnLst>
+                                </p:cTn>
+                              </p:par>
+                            </p:childTnLst>
+                          </p:cTn>
+                        </p:par>
+                      </p:childTnLst>
+                    </p:cTn>
+                  </p:par>
+                  <p:par>
+                    <p:cTn id="15" fill="hold">
+                      <p:stCondLst>
+                        <p:cond delay="indefinite"/>
+                      </p:stCondLst>
+                      <p:childTnLst>
+                        <p:par>
+                          <p:cTn id="16" fill="hold">
+                            <p:stCondLst>
+                              <p:cond delay="0"/>
+                            </p:stCondLst>
+                            <p:childTnLst>
+                              <p:par>
+                                <p:cTn id="17" presetID="1" presetClass="entr" presetSubtype="0" fill="hold" nodeType="clickEffect">
+                                  <p:stCondLst>
+                                    <p:cond delay="0"/>
+                                  </p:stCondLst>
+                                  <p:childTnLst>
+                                    <p:set>
+                                      <p:cBhvr>
+                                        <p:cTn id="18" dur="1" fill="hold">
+                                          <p:stCondLst>
+                                            <p:cond delay="0"/>
+                                          </p:stCondLst>
+                                        </p:cTn>
+                                        <p:tgtEl>
+                                          <p:spTgt spid="8">
+                                            <p:txEl>
+                                              <p:pRg st="5" end="5"/>
                                             </p:txEl>
                                           </p:spTgt>
                                         </p:tgtEl>
